--- a/project_01/docs/Tang_ENGI301_project_proposal.pptx
+++ b/project_01/docs/Tang_ENGI301_project_proposal.pptx
@@ -15596,7 +15596,7 @@
         </p:nvSpPr>
         <p:spPr>
           <a:xfrm>
-            <a:off x="4539284" y="2076450"/>
+            <a:off x="4514891" y="2095500"/>
             <a:ext cx="3162300" cy="4000500"/>
           </a:xfrm>
           <a:prstGeom prst="roundRect">
@@ -15652,8 +15652,8 @@
         </p:nvSpPr>
         <p:spPr>
           <a:xfrm>
-            <a:off x="6743700" y="2857500"/>
-            <a:ext cx="990600" cy="307777"/>
+            <a:off x="6145960" y="2857500"/>
+            <a:ext cx="1588340" cy="307777"/>
           </a:xfrm>
           <a:prstGeom prst="rect">
             <a:avLst/>
@@ -15672,7 +15672,7 @@
                   <a:schemeClr val="bg1"/>
                 </a:solidFill>
               </a:rPr>
-              <a:t>PWM0-A</a:t>
+              <a:t>PWM0-A (P1_36)</a:t>
             </a:r>
           </a:p>
         </p:txBody>
@@ -15691,8 +15691,8 @@
         </p:nvSpPr>
         <p:spPr>
           <a:xfrm>
-            <a:off x="6743700" y="3219450"/>
-            <a:ext cx="990600" cy="307777"/>
+            <a:off x="6145960" y="3219450"/>
+            <a:ext cx="1588340" cy="307777"/>
           </a:xfrm>
           <a:prstGeom prst="rect">
             <a:avLst/>
@@ -15711,7 +15711,7 @@
                   <a:schemeClr val="bg1"/>
                 </a:solidFill>
               </a:rPr>
-              <a:t>PWM1-A</a:t>
+              <a:t>PWM1-A (P2_01)</a:t>
             </a:r>
           </a:p>
         </p:txBody>
@@ -15730,8 +15730,8 @@
         </p:nvSpPr>
         <p:spPr>
           <a:xfrm>
-            <a:off x="6743700" y="3578423"/>
-            <a:ext cx="990600" cy="307777"/>
+            <a:off x="6134100" y="3578423"/>
+            <a:ext cx="1600200" cy="307777"/>
           </a:xfrm>
           <a:prstGeom prst="rect">
             <a:avLst/>
@@ -15750,7 +15750,7 @@
                   <a:schemeClr val="bg1"/>
                 </a:solidFill>
               </a:rPr>
-              <a:t>PWM2-B</a:t>
+              <a:t>PWM2-B (P2_03)</a:t>
             </a:r>
           </a:p>
         </p:txBody>
@@ -16131,7 +16131,7 @@
         <p:spPr>
           <a:xfrm>
             <a:off x="4333088" y="3030450"/>
-            <a:ext cx="1371600" cy="400050"/>
+            <a:ext cx="1801012" cy="400050"/>
           </a:xfrm>
           <a:prstGeom prst="rect">
             <a:avLst/>
@@ -16164,7 +16164,7 @@
             <a:pPr algn="ctr"/>
             <a:r>
               <a:rPr lang="en-US" sz="1400" dirty="0"/>
-              <a:t>AIN 1.8V</a:t>
+              <a:t>AIN 1.8V (P1_21)</a:t>
             </a:r>
           </a:p>
         </p:txBody>
@@ -16185,7 +16185,7 @@
         </p:nvCxnSpPr>
         <p:spPr>
           <a:xfrm flipH="1">
-            <a:off x="7734300" y="5676900"/>
+            <a:off x="7734300" y="5562600"/>
             <a:ext cx="1049616" cy="0"/>
           </a:xfrm>
           <a:prstGeom prst="straightConnector1">
@@ -16280,8 +16280,8 @@
         </p:nvSpPr>
         <p:spPr>
           <a:xfrm>
-            <a:off x="7010400" y="5476875"/>
-            <a:ext cx="762000" cy="400050"/>
+            <a:off x="5943600" y="5325670"/>
+            <a:ext cx="1881715" cy="400050"/>
           </a:xfrm>
           <a:prstGeom prst="rect">
             <a:avLst/>
@@ -16314,7 +16314,7 @@
             <a:pPr algn="ctr"/>
             <a:r>
               <a:rPr lang="en-US" sz="1400" dirty="0"/>
-              <a:t>I2C1</a:t>
+              <a:t>I2C1: SCL (P2_09)</a:t>
             </a:r>
           </a:p>
         </p:txBody>
@@ -16602,7 +16602,7 @@
         <p:spPr>
           <a:xfrm>
             <a:off x="4333088" y="2657475"/>
-            <a:ext cx="1371600" cy="400050"/>
+            <a:ext cx="1801012" cy="400050"/>
           </a:xfrm>
           <a:prstGeom prst="rect">
             <a:avLst/>
@@ -16635,7 +16635,7 @@
             <a:pPr algn="ctr"/>
             <a:r>
               <a:rPr lang="en-US" sz="1400" dirty="0"/>
-              <a:t>AIN 1.8V</a:t>
+              <a:t>AIN 1.8V (P1_19)</a:t>
             </a:r>
           </a:p>
         </p:txBody>
@@ -16655,7 +16655,7 @@
         <p:spPr>
           <a:xfrm>
             <a:off x="4344948" y="3378398"/>
-            <a:ext cx="1371600" cy="400050"/>
+            <a:ext cx="1862812" cy="400050"/>
           </a:xfrm>
           <a:prstGeom prst="rect">
             <a:avLst/>
@@ -16688,7 +16688,7 @@
             <a:pPr algn="ctr"/>
             <a:r>
               <a:rPr lang="en-US" sz="1400" dirty="0"/>
-              <a:t>AIN 1.8V</a:t>
+              <a:t>AIN 1.8V (P1_23)</a:t>
             </a:r>
           </a:p>
         </p:txBody>
@@ -16708,7 +16708,7 @@
         <p:spPr>
           <a:xfrm>
             <a:off x="4352442" y="4644187"/>
-            <a:ext cx="1371600" cy="400050"/>
+            <a:ext cx="1862812" cy="400050"/>
           </a:xfrm>
           <a:prstGeom prst="rect">
             <a:avLst/>
@@ -16741,7 +16741,7 @@
             <a:pPr algn="ctr"/>
             <a:r>
               <a:rPr lang="en-US" sz="1400" dirty="0"/>
-              <a:t>AIN 1.8V</a:t>
+              <a:t>AIN 1.8V (P1_25)</a:t>
             </a:r>
           </a:p>
         </p:txBody>
@@ -16761,7 +16761,7 @@
         <p:spPr>
           <a:xfrm>
             <a:off x="4338624" y="5314948"/>
-            <a:ext cx="1371600" cy="400050"/>
+            <a:ext cx="1947876" cy="400050"/>
           </a:xfrm>
           <a:prstGeom prst="rect">
             <a:avLst/>
@@ -16794,7 +16794,7 @@
             <a:pPr algn="ctr"/>
             <a:r>
               <a:rPr lang="en-US" sz="1400" dirty="0"/>
-              <a:t>AIN 1.8V</a:t>
+              <a:t>AIN 1.8V (P1_36)</a:t>
             </a:r>
           </a:p>
         </p:txBody>
@@ -16814,7 +16814,7 @@
         <p:spPr>
           <a:xfrm>
             <a:off x="4354982" y="4953001"/>
-            <a:ext cx="1371600" cy="400050"/>
+            <a:ext cx="1852778" cy="400050"/>
           </a:xfrm>
           <a:prstGeom prst="rect">
             <a:avLst/>
@@ -16847,7 +16847,7 @@
             <a:pPr algn="ctr"/>
             <a:r>
               <a:rPr lang="en-US" sz="1400" dirty="0"/>
-              <a:t>AIN 1.8V</a:t>
+              <a:t>AIN 1.8V (P1_27)</a:t>
             </a:r>
           </a:p>
         </p:txBody>
@@ -17452,8 +17452,8 @@
         </p:nvSpPr>
         <p:spPr>
           <a:xfrm>
-            <a:off x="6826868" y="4255331"/>
-            <a:ext cx="990600" cy="307777"/>
+            <a:off x="6145960" y="4255331"/>
+            <a:ext cx="1671508" cy="307777"/>
           </a:xfrm>
           <a:prstGeom prst="rect">
             <a:avLst/>
@@ -17472,7 +17472,7 @@
                   <a:schemeClr val="bg1"/>
                 </a:solidFill>
               </a:rPr>
-              <a:t>PWM0-B</a:t>
+              <a:t>PWM0-B (P1_33)</a:t>
             </a:r>
           </a:p>
         </p:txBody>
@@ -17491,8 +17491,8 @@
         </p:nvSpPr>
         <p:spPr>
           <a:xfrm>
-            <a:off x="6795900" y="4873592"/>
-            <a:ext cx="990600" cy="307777"/>
+            <a:off x="6145960" y="4873592"/>
+            <a:ext cx="1640540" cy="307777"/>
           </a:xfrm>
           <a:prstGeom prst="rect">
             <a:avLst/>
@@ -17511,7 +17511,7 @@
                   <a:schemeClr val="bg1"/>
                 </a:solidFill>
               </a:rPr>
-              <a:t>GPIO_IN</a:t>
+              <a:t>GPIO_IN (P2_02)</a:t>
             </a:r>
           </a:p>
         </p:txBody>
@@ -17565,6 +17565,454 @@
           </a:p>
         </p:txBody>
       </p:sp>
+      <p:cxnSp>
+        <p:nvCxnSpPr>
+          <p:cNvPr id="42" name="Straight Arrow Connector 41">
+            <a:extLst>
+              <a:ext uri="{FF2B5EF4-FFF2-40B4-BE49-F238E27FC236}">
+                <a16:creationId xmlns:a16="http://schemas.microsoft.com/office/drawing/2014/main" id="{42109079-1F3C-486A-A998-FF1145B50C16}"/>
+              </a:ext>
+            </a:extLst>
+          </p:cNvPr>
+          <p:cNvCxnSpPr>
+            <a:cxnSpLocks/>
+          </p:cNvCxnSpPr>
+          <p:nvPr/>
+        </p:nvCxnSpPr>
+        <p:spPr>
+          <a:xfrm flipH="1">
+            <a:off x="7772400" y="5829300"/>
+            <a:ext cx="1049616" cy="0"/>
+          </a:xfrm>
+          <a:prstGeom prst="straightConnector1">
+            <a:avLst/>
+          </a:prstGeom>
+          <a:ln>
+            <a:tailEnd type="triangle"/>
+          </a:ln>
+        </p:spPr>
+        <p:style>
+          <a:lnRef idx="1">
+            <a:schemeClr val="accent1"/>
+          </a:lnRef>
+          <a:fillRef idx="0">
+            <a:schemeClr val="accent1"/>
+          </a:fillRef>
+          <a:effectRef idx="0">
+            <a:schemeClr val="accent1"/>
+          </a:effectRef>
+          <a:fontRef idx="minor">
+            <a:schemeClr val="tx1"/>
+          </a:fontRef>
+        </p:style>
+      </p:cxnSp>
+      <p:sp>
+        <p:nvSpPr>
+          <p:cNvPr id="5" name="Rectangle 4">
+            <a:extLst>
+              <a:ext uri="{FF2B5EF4-FFF2-40B4-BE49-F238E27FC236}">
+                <a16:creationId xmlns:a16="http://schemas.microsoft.com/office/drawing/2014/main" id="{1B32E290-78B1-4099-8867-4C7AF720BBAC}"/>
+              </a:ext>
+            </a:extLst>
+          </p:cNvPr>
+          <p:cNvSpPr/>
+          <p:nvPr/>
+        </p:nvSpPr>
+        <p:spPr>
+          <a:xfrm>
+            <a:off x="5862625" y="5598467"/>
+            <a:ext cx="1947876" cy="400050"/>
+          </a:xfrm>
+          <a:prstGeom prst="rect">
+            <a:avLst/>
+          </a:prstGeom>
+          <a:noFill/>
+          <a:ln>
+            <a:noFill/>
+          </a:ln>
+        </p:spPr>
+        <p:style>
+          <a:lnRef idx="2">
+            <a:schemeClr val="accent1">
+              <a:shade val="50000"/>
+            </a:schemeClr>
+          </a:lnRef>
+          <a:fillRef idx="1">
+            <a:schemeClr val="accent1"/>
+          </a:fillRef>
+          <a:effectRef idx="0">
+            <a:schemeClr val="accent1"/>
+          </a:effectRef>
+          <a:fontRef idx="minor">
+            <a:schemeClr val="lt1"/>
+          </a:fontRef>
+        </p:style>
+        <p:txBody>
+          <a:bodyPr rtlCol="0" anchor="ctr"/>
+          <a:lstStyle/>
+          <a:p>
+            <a:pPr algn="ctr"/>
+            <a:r>
+              <a:rPr lang="en-US" sz="1400" dirty="0"/>
+              <a:t>I2C1: SDA (P2_11)</a:t>
+            </a:r>
+          </a:p>
+        </p:txBody>
+      </p:sp>
+      <p:cxnSp>
+        <p:nvCxnSpPr>
+          <p:cNvPr id="8" name="Straight Connector 7">
+            <a:extLst>
+              <a:ext uri="{FF2B5EF4-FFF2-40B4-BE49-F238E27FC236}">
+                <a16:creationId xmlns:a16="http://schemas.microsoft.com/office/drawing/2014/main" id="{922979BD-2D27-409B-BF7D-ECC614B0DAB3}"/>
+              </a:ext>
+            </a:extLst>
+          </p:cNvPr>
+          <p:cNvCxnSpPr/>
+          <p:nvPr/>
+        </p:nvCxnSpPr>
+        <p:spPr>
+          <a:xfrm>
+            <a:off x="9001760" y="1714500"/>
+            <a:ext cx="0" cy="91440"/>
+          </a:xfrm>
+          <a:prstGeom prst="line">
+            <a:avLst/>
+          </a:prstGeom>
+        </p:spPr>
+        <p:style>
+          <a:lnRef idx="1">
+            <a:schemeClr val="dk1"/>
+          </a:lnRef>
+          <a:fillRef idx="0">
+            <a:schemeClr val="dk1"/>
+          </a:fillRef>
+          <a:effectRef idx="0">
+            <a:schemeClr val="dk1"/>
+          </a:effectRef>
+          <a:fontRef idx="minor">
+            <a:schemeClr val="tx1"/>
+          </a:fontRef>
+        </p:style>
+      </p:cxnSp>
+      <p:cxnSp>
+        <p:nvCxnSpPr>
+          <p:cNvPr id="48" name="Straight Connector 47">
+            <a:extLst>
+              <a:ext uri="{FF2B5EF4-FFF2-40B4-BE49-F238E27FC236}">
+                <a16:creationId xmlns:a16="http://schemas.microsoft.com/office/drawing/2014/main" id="{1F1A3AF3-8E08-4074-BD6A-012A8D8C67B5}"/>
+              </a:ext>
+            </a:extLst>
+          </p:cNvPr>
+          <p:cNvCxnSpPr>
+            <a:cxnSpLocks/>
+          </p:cNvCxnSpPr>
+          <p:nvPr/>
+        </p:nvCxnSpPr>
+        <p:spPr>
+          <a:xfrm flipH="1">
+            <a:off x="9001760" y="1667252"/>
+            <a:ext cx="66040" cy="52349"/>
+          </a:xfrm>
+          <a:prstGeom prst="line">
+            <a:avLst/>
+          </a:prstGeom>
+        </p:spPr>
+        <p:style>
+          <a:lnRef idx="1">
+            <a:schemeClr val="dk1"/>
+          </a:lnRef>
+          <a:fillRef idx="0">
+            <a:schemeClr val="dk1"/>
+          </a:fillRef>
+          <a:effectRef idx="0">
+            <a:schemeClr val="dk1"/>
+          </a:effectRef>
+          <a:fontRef idx="minor">
+            <a:schemeClr val="tx1"/>
+          </a:fontRef>
+        </p:style>
+      </p:cxnSp>
+      <p:cxnSp>
+        <p:nvCxnSpPr>
+          <p:cNvPr id="50" name="Straight Connector 49">
+            <a:extLst>
+              <a:ext uri="{FF2B5EF4-FFF2-40B4-BE49-F238E27FC236}">
+                <a16:creationId xmlns:a16="http://schemas.microsoft.com/office/drawing/2014/main" id="{5456BA9F-8C63-40E1-8DDB-18822D24C4D3}"/>
+              </a:ext>
+            </a:extLst>
+          </p:cNvPr>
+          <p:cNvCxnSpPr>
+            <a:cxnSpLocks/>
+          </p:cNvCxnSpPr>
+          <p:nvPr/>
+        </p:nvCxnSpPr>
+        <p:spPr>
+          <a:xfrm>
+            <a:off x="8991600" y="1629151"/>
+            <a:ext cx="76200" cy="38101"/>
+          </a:xfrm>
+          <a:prstGeom prst="line">
+            <a:avLst/>
+          </a:prstGeom>
+        </p:spPr>
+        <p:style>
+          <a:lnRef idx="1">
+            <a:schemeClr val="dk1"/>
+          </a:lnRef>
+          <a:fillRef idx="0">
+            <a:schemeClr val="dk1"/>
+          </a:fillRef>
+          <a:effectRef idx="0">
+            <a:schemeClr val="dk1"/>
+          </a:effectRef>
+          <a:fontRef idx="minor">
+            <a:schemeClr val="tx1"/>
+          </a:fontRef>
+        </p:style>
+      </p:cxnSp>
+      <p:cxnSp>
+        <p:nvCxnSpPr>
+          <p:cNvPr id="60" name="Straight Connector 59">
+            <a:extLst>
+              <a:ext uri="{FF2B5EF4-FFF2-40B4-BE49-F238E27FC236}">
+                <a16:creationId xmlns:a16="http://schemas.microsoft.com/office/drawing/2014/main" id="{8ACC83DA-1100-4E77-A13C-581D01DA9476}"/>
+              </a:ext>
+            </a:extLst>
+          </p:cNvPr>
+          <p:cNvCxnSpPr>
+            <a:cxnSpLocks/>
+          </p:cNvCxnSpPr>
+          <p:nvPr/>
+        </p:nvCxnSpPr>
+        <p:spPr>
+          <a:xfrm>
+            <a:off x="8978900" y="1448361"/>
+            <a:ext cx="76200" cy="38101"/>
+          </a:xfrm>
+          <a:prstGeom prst="line">
+            <a:avLst/>
+          </a:prstGeom>
+        </p:spPr>
+        <p:style>
+          <a:lnRef idx="1">
+            <a:schemeClr val="dk1"/>
+          </a:lnRef>
+          <a:fillRef idx="0">
+            <a:schemeClr val="dk1"/>
+          </a:fillRef>
+          <a:effectRef idx="0">
+            <a:schemeClr val="dk1"/>
+          </a:effectRef>
+          <a:fontRef idx="minor">
+            <a:schemeClr val="tx1"/>
+          </a:fontRef>
+        </p:style>
+      </p:cxnSp>
+      <p:cxnSp>
+        <p:nvCxnSpPr>
+          <p:cNvPr id="61" name="Straight Connector 60">
+            <a:extLst>
+              <a:ext uri="{FF2B5EF4-FFF2-40B4-BE49-F238E27FC236}">
+                <a16:creationId xmlns:a16="http://schemas.microsoft.com/office/drawing/2014/main" id="{7A0D1C12-2FD4-47F1-A851-1B88BB149A91}"/>
+              </a:ext>
+            </a:extLst>
+          </p:cNvPr>
+          <p:cNvCxnSpPr>
+            <a:cxnSpLocks/>
+          </p:cNvCxnSpPr>
+          <p:nvPr/>
+        </p:nvCxnSpPr>
+        <p:spPr>
+          <a:xfrm flipH="1">
+            <a:off x="8989060" y="1486462"/>
+            <a:ext cx="66040" cy="52349"/>
+          </a:xfrm>
+          <a:prstGeom prst="line">
+            <a:avLst/>
+          </a:prstGeom>
+        </p:spPr>
+        <p:style>
+          <a:lnRef idx="1">
+            <a:schemeClr val="dk1"/>
+          </a:lnRef>
+          <a:fillRef idx="0">
+            <a:schemeClr val="dk1"/>
+          </a:fillRef>
+          <a:effectRef idx="0">
+            <a:schemeClr val="dk1"/>
+          </a:effectRef>
+          <a:fontRef idx="minor">
+            <a:schemeClr val="tx1"/>
+          </a:fontRef>
+        </p:style>
+      </p:cxnSp>
+      <p:cxnSp>
+        <p:nvCxnSpPr>
+          <p:cNvPr id="68" name="Straight Connector 67">
+            <a:extLst>
+              <a:ext uri="{FF2B5EF4-FFF2-40B4-BE49-F238E27FC236}">
+                <a16:creationId xmlns:a16="http://schemas.microsoft.com/office/drawing/2014/main" id="{343DE388-97E7-4253-A9DD-F7638408FD4D}"/>
+              </a:ext>
+            </a:extLst>
+          </p:cNvPr>
+          <p:cNvCxnSpPr>
+            <a:cxnSpLocks/>
+          </p:cNvCxnSpPr>
+          <p:nvPr/>
+        </p:nvCxnSpPr>
+        <p:spPr>
+          <a:xfrm>
+            <a:off x="8978900" y="1542812"/>
+            <a:ext cx="76200" cy="38101"/>
+          </a:xfrm>
+          <a:prstGeom prst="line">
+            <a:avLst/>
+          </a:prstGeom>
+        </p:spPr>
+        <p:style>
+          <a:lnRef idx="1">
+            <a:schemeClr val="dk1"/>
+          </a:lnRef>
+          <a:fillRef idx="0">
+            <a:schemeClr val="dk1"/>
+          </a:fillRef>
+          <a:effectRef idx="0">
+            <a:schemeClr val="dk1"/>
+          </a:effectRef>
+          <a:fontRef idx="minor">
+            <a:schemeClr val="tx1"/>
+          </a:fontRef>
+        </p:style>
+      </p:cxnSp>
+      <p:cxnSp>
+        <p:nvCxnSpPr>
+          <p:cNvPr id="71" name="Straight Connector 70">
+            <a:extLst>
+              <a:ext uri="{FF2B5EF4-FFF2-40B4-BE49-F238E27FC236}">
+                <a16:creationId xmlns:a16="http://schemas.microsoft.com/office/drawing/2014/main" id="{1111466C-F003-443B-A72E-1F2BAA702E25}"/>
+              </a:ext>
+            </a:extLst>
+          </p:cNvPr>
+          <p:cNvCxnSpPr>
+            <a:cxnSpLocks/>
+          </p:cNvCxnSpPr>
+          <p:nvPr/>
+        </p:nvCxnSpPr>
+        <p:spPr>
+          <a:xfrm flipH="1">
+            <a:off x="8989060" y="1580913"/>
+            <a:ext cx="66040" cy="52349"/>
+          </a:xfrm>
+          <a:prstGeom prst="line">
+            <a:avLst/>
+          </a:prstGeom>
+        </p:spPr>
+        <p:style>
+          <a:lnRef idx="1">
+            <a:schemeClr val="dk1"/>
+          </a:lnRef>
+          <a:fillRef idx="0">
+            <a:schemeClr val="dk1"/>
+          </a:fillRef>
+          <a:effectRef idx="0">
+            <a:schemeClr val="dk1"/>
+          </a:effectRef>
+          <a:fontRef idx="minor">
+            <a:schemeClr val="tx1"/>
+          </a:fontRef>
+        </p:style>
+      </p:cxnSp>
+      <p:pic>
+        <p:nvPicPr>
+          <p:cNvPr id="26" name="Picture 25">
+            <a:extLst>
+              <a:ext uri="{FF2B5EF4-FFF2-40B4-BE49-F238E27FC236}">
+                <a16:creationId xmlns:a16="http://schemas.microsoft.com/office/drawing/2014/main" id="{50989927-477F-44EE-8B3A-0CED20AC7931}"/>
+              </a:ext>
+            </a:extLst>
+          </p:cNvPr>
+          <p:cNvPicPr>
+            <a:picLocks noChangeAspect="1"/>
+          </p:cNvPicPr>
+          <p:nvPr/>
+        </p:nvPicPr>
+        <p:blipFill>
+          <a:blip r:embed="rId2"/>
+          <a:stretch>
+            <a:fillRect/>
+          </a:stretch>
+        </p:blipFill>
+        <p:spPr>
+          <a:xfrm>
+            <a:off x="8159032" y="4618627"/>
+            <a:ext cx="307083" cy="411719"/>
+          </a:xfrm>
+          <a:prstGeom prst="rect">
+            <a:avLst/>
+          </a:prstGeom>
+        </p:spPr>
+      </p:pic>
+      <p:pic>
+        <p:nvPicPr>
+          <p:cNvPr id="27" name="Picture 26">
+            <a:extLst>
+              <a:ext uri="{FF2B5EF4-FFF2-40B4-BE49-F238E27FC236}">
+                <a16:creationId xmlns:a16="http://schemas.microsoft.com/office/drawing/2014/main" id="{6EB47367-B97F-479C-BCCA-70B12032695F}"/>
+              </a:ext>
+            </a:extLst>
+          </p:cNvPr>
+          <p:cNvPicPr>
+            <a:picLocks noChangeAspect="1"/>
+          </p:cNvPicPr>
+          <p:nvPr/>
+        </p:nvPicPr>
+        <p:blipFill>
+          <a:blip r:embed="rId2"/>
+          <a:stretch>
+            <a:fillRect/>
+          </a:stretch>
+        </p:blipFill>
+        <p:spPr>
+          <a:xfrm>
+            <a:off x="8115300" y="5158589"/>
+            <a:ext cx="292187" cy="391747"/>
+          </a:xfrm>
+          <a:prstGeom prst="rect">
+            <a:avLst/>
+          </a:prstGeom>
+        </p:spPr>
+      </p:pic>
+      <p:pic>
+        <p:nvPicPr>
+          <p:cNvPr id="28" name="Picture 27">
+            <a:extLst>
+              <a:ext uri="{FF2B5EF4-FFF2-40B4-BE49-F238E27FC236}">
+                <a16:creationId xmlns:a16="http://schemas.microsoft.com/office/drawing/2014/main" id="{6FC46591-BE85-4092-9EC7-B3D177C5AAD7}"/>
+              </a:ext>
+            </a:extLst>
+          </p:cNvPr>
+          <p:cNvPicPr>
+            <a:picLocks noChangeAspect="1"/>
+          </p:cNvPicPr>
+          <p:nvPr/>
+        </p:nvPicPr>
+        <p:blipFill>
+          <a:blip r:embed="rId2"/>
+          <a:stretch>
+            <a:fillRect/>
+          </a:stretch>
+        </p:blipFill>
+        <p:spPr>
+          <a:xfrm rot="10800000">
+            <a:off x="8197487" y="5835973"/>
+            <a:ext cx="292187" cy="391747"/>
+          </a:xfrm>
+          <a:prstGeom prst="rect">
+            <a:avLst/>
+          </a:prstGeom>
+        </p:spPr>
+      </p:pic>
     </p:spTree>
     <p:extLst>
       <p:ext uri="{BB962C8B-B14F-4D97-AF65-F5344CB8AC3E}">
